--- a/Intermediate Scratch week1.pptx
+++ b/Intermediate Scratch week1.pptx
@@ -122,7 +122,7 @@
   </p:defaultTextStyle>
   <p:extLst>
     <p:ext uri="{EFAFB233-063F-42B5-8137-9DF3F51BA10A}">
-      <p15:sldGuideLst xmlns="" xmlns:p15="http://schemas.microsoft.com/office/powerpoint/2012/main">
+      <p15:sldGuideLst xmlns:p15="http://schemas.microsoft.com/office/powerpoint/2012/main" xmlns="">
         <p15:guide id="1" orient="horz" pos="2160">
           <p15:clr>
             <a:srgbClr val="A4A3A4"/>
@@ -221,7 +221,7 @@
           <a:p>
             <a:fld id="{9BFDE811-7E5B-43DD-9EE2-2C600B30D8F1}" type="datetimeFigureOut">
               <a:rPr lang="en-US" smtClean="0"/>
-              <a:t>5/10/2015</a:t>
+              <a:t>5/13/2015</a:t>
             </a:fld>
             <a:endParaRPr lang="en-US"/>
           </a:p>
@@ -704,7 +704,7 @@
           <a:p>
             <a:fld id="{F52004B7-4623-456F-BE48-522AFC8CF2B3}" type="datetime1">
               <a:rPr lang="en-US" smtClean="0"/>
-              <a:t>5/10/2015</a:t>
+              <a:t>5/13/2015</a:t>
             </a:fld>
             <a:endParaRPr lang="en-US"/>
           </a:p>
@@ -897,7 +897,7 @@
           <a:p>
             <a:fld id="{C9BEEE3F-2BBC-48F5-8F25-640303459AB2}" type="datetime1">
               <a:rPr lang="en-US" smtClean="0"/>
-              <a:t>5/10/2015</a:t>
+              <a:t>5/13/2015</a:t>
             </a:fld>
             <a:endParaRPr lang="en-US"/>
           </a:p>
@@ -1100,7 +1100,7 @@
           <a:p>
             <a:fld id="{A6C697E3-6ABA-4441-A8E4-6576C9BA644D}" type="datetime1">
               <a:rPr lang="en-US" smtClean="0"/>
-              <a:t>5/10/2015</a:t>
+              <a:t>5/13/2015</a:t>
             </a:fld>
             <a:endParaRPr lang="en-US"/>
           </a:p>
@@ -1293,7 +1293,7 @@
           <a:p>
             <a:fld id="{2109C9D0-AF2F-452F-8FB0-AFC0FA233BC8}" type="datetime1">
               <a:rPr lang="en-US" smtClean="0"/>
-              <a:t>5/10/2015</a:t>
+              <a:t>5/13/2015</a:t>
             </a:fld>
             <a:endParaRPr lang="en-US"/>
           </a:p>
@@ -1562,7 +1562,7 @@
           <a:p>
             <a:fld id="{9DFD1AA4-3C72-480C-9771-3F07EE32C260}" type="datetime1">
               <a:rPr lang="en-US" smtClean="0"/>
-              <a:t>5/10/2015</a:t>
+              <a:t>5/13/2015</a:t>
             </a:fld>
             <a:endParaRPr lang="en-US"/>
           </a:p>
@@ -1817,7 +1817,7 @@
           <a:p>
             <a:fld id="{9CA27C91-8AE0-4714-ACB7-3BF8DB5DF192}" type="datetime1">
               <a:rPr lang="en-US" smtClean="0"/>
-              <a:t>5/10/2015</a:t>
+              <a:t>5/13/2015</a:t>
             </a:fld>
             <a:endParaRPr lang="en-US"/>
           </a:p>
@@ -2207,7 +2207,7 @@
           <a:p>
             <a:fld id="{A2E6425C-0710-416E-A44E-63D2F43774F0}" type="datetime1">
               <a:rPr lang="en-US" smtClean="0"/>
-              <a:t>5/10/2015</a:t>
+              <a:t>5/13/2015</a:t>
             </a:fld>
             <a:endParaRPr lang="en-US"/>
           </a:p>
@@ -2348,7 +2348,7 @@
           <a:p>
             <a:fld id="{6D3FA7E6-306C-4C29-8040-77E043270496}" type="datetime1">
               <a:rPr lang="en-US" smtClean="0"/>
-              <a:t>5/10/2015</a:t>
+              <a:t>5/13/2015</a:t>
             </a:fld>
             <a:endParaRPr lang="en-US"/>
           </a:p>
@@ -2466,7 +2466,7 @@
           <a:p>
             <a:fld id="{C4BECA58-A5BA-4EB1-B604-033CDA7E77C2}" type="datetime1">
               <a:rPr lang="en-US" smtClean="0"/>
-              <a:t>5/10/2015</a:t>
+              <a:t>5/13/2015</a:t>
             </a:fld>
             <a:endParaRPr lang="en-US"/>
           </a:p>
@@ -2766,7 +2766,7 @@
           <a:p>
             <a:fld id="{B75A2790-60B4-4C42-B7B5-7F6A20AC0DE8}" type="datetime1">
               <a:rPr lang="en-US" smtClean="0"/>
-              <a:t>5/10/2015</a:t>
+              <a:t>5/13/2015</a:t>
             </a:fld>
             <a:endParaRPr lang="en-US"/>
           </a:p>
@@ -3042,7 +3042,7 @@
           <a:p>
             <a:fld id="{2B8407F5-33AC-4100-9340-A931588801B1}" type="datetime1">
               <a:rPr lang="en-US" smtClean="0"/>
-              <a:t>5/10/2015</a:t>
+              <a:t>5/13/2015</a:t>
             </a:fld>
             <a:endParaRPr lang="en-US"/>
           </a:p>
@@ -3298,7 +3298,7 @@
           <a:p>
             <a:fld id="{77E0C663-1FA7-4BF7-A097-B97F5C8459BE}" type="datetime1">
               <a:rPr lang="en-US" smtClean="0"/>
-              <a:t>5/10/2015</a:t>
+              <a:t>5/13/2015</a:t>
             </a:fld>
             <a:endParaRPr lang="en-US"/>
           </a:p>
@@ -4103,44 +4103,7 @@
                   </a:outerShdw>
                 </a:effectLst>
               </a:rPr>
-              <a:t>Welcome to </a:t>
-            </a:r>
-            <a:r>
-              <a:rPr lang="en-US" sz="5400" b="1" dirty="0" smtClean="0">
-                <a:ln w="12700">
-                  <a:solidFill>
-                    <a:schemeClr val="accent5">
-                      <a:lumMod val="50000"/>
-                    </a:schemeClr>
-                  </a:solidFill>
-                  <a:prstDash val="solid"/>
-                </a:ln>
-                <a:pattFill prst="dkUpDiag">
-                  <a:fgClr>
-                    <a:schemeClr val="tx2"/>
-                  </a:fgClr>
-                  <a:bgClr>
-                    <a:schemeClr val="tx2">
-                      <a:lumMod val="20000"/>
-                      <a:lumOff val="80000"/>
-                    </a:schemeClr>
-                  </a:bgClr>
-                </a:pattFill>
-                <a:effectLst>
-                  <a:glow rad="139700">
-                    <a:schemeClr val="bg1">
-                      <a:lumMod val="85000"/>
-                      <a:alpha val="40000"/>
-                    </a:schemeClr>
-                  </a:glow>
-                  <a:outerShdw dist="38100" dir="2640000" algn="bl" rotWithShape="0">
-                    <a:schemeClr val="tx2">
-                      <a:lumMod val="75000"/>
-                    </a:schemeClr>
-                  </a:outerShdw>
-                </a:effectLst>
-              </a:rPr>
-              <a:t>Intermediate</a:t>
+              <a:t>Welcome to Intermediate</a:t>
             </a:r>
             <a:endParaRPr lang="en-US" sz="5400" b="1" dirty="0">
               <a:ln w="12700">
@@ -4212,7 +4175,7 @@
         <p:spPr>
           <a:xfrm>
             <a:off x="3962400" y="3733799"/>
-            <a:ext cx="5181600" cy="2446824"/>
+            <a:ext cx="5181600" cy="2862322"/>
           </a:xfrm>
           <a:prstGeom prst="rect">
             <a:avLst/>
@@ -4237,13 +4200,8 @@
             </a:pPr>
             <a:r>
               <a:rPr lang="en-US" dirty="0" smtClean="0"/>
-              <a:t>Warmup: Change Bat Away into </a:t>
-            </a:r>
-            <a:r>
-              <a:rPr lang="en-US" dirty="0" smtClean="0"/>
-              <a:t>Beach Bounce</a:t>
-            </a:r>
-            <a:endParaRPr lang="en-US" dirty="0" smtClean="0"/>
+              <a:t>Warmup: Change Bat Away into Beach Bounce</a:t>
+            </a:r>
           </a:p>
           <a:p>
             <a:pPr marL="285750" indent="-285750">
@@ -4281,11 +4239,24 @@
             </a:pPr>
             <a:r>
               <a:rPr lang="en-US" dirty="0" smtClean="0"/>
-              <a:t>Introduce: </a:t>
+              <a:t>Introduce: Data and </a:t>
             </a:r>
             <a:r>
               <a:rPr lang="en-US" dirty="0" smtClean="0"/>
-              <a:t>Data and Variables</a:t>
+              <a:t>Variables</a:t>
+            </a:r>
+          </a:p>
+          <a:p>
+            <a:pPr marL="285750" indent="-285750">
+              <a:lnSpc>
+                <a:spcPct val="150000"/>
+              </a:lnSpc>
+              <a:buFont typeface="Wingdings" panose="05000000000000000000" pitchFamily="2" charset="2"/>
+              <a:buChar char="Ø"/>
+            </a:pPr>
+            <a:r>
+              <a:rPr lang="en-US" dirty="0" smtClean="0"/>
+              <a:t>Maybe: Clones</a:t>
             </a:r>
             <a:endParaRPr lang="en-US" dirty="0" smtClean="0"/>
           </a:p>
@@ -4373,19 +4344,7 @@
           <a:p>
             <a:r>
               <a:rPr lang="en-US" sz="3600" b="1" dirty="0" smtClean="0"/>
-              <a:t>Add a </a:t>
-            </a:r>
-            <a:r>
-              <a:rPr lang="en-US" sz="3600" b="1" dirty="0" smtClean="0"/>
-              <a:t>message </a:t>
-            </a:r>
-            <a:r>
-              <a:rPr lang="en-US" sz="3600" b="1" dirty="0" smtClean="0"/>
-              <a:t>to </a:t>
-            </a:r>
-            <a:r>
-              <a:rPr lang="en-US" sz="3600" b="1" dirty="0" smtClean="0"/>
-              <a:t>Beach Ball Bounce</a:t>
+              <a:t>Add a message to Beach Ball Bounce</a:t>
             </a:r>
             <a:endParaRPr lang="en-US" sz="3600" b="1" dirty="0"/>
           </a:p>
@@ -4415,15 +4374,7 @@
           <a:p>
             <a:r>
               <a:rPr lang="en-US" sz="2800" dirty="0" smtClean="0"/>
-              <a:t>I a</a:t>
-            </a:r>
-            <a:r>
-              <a:rPr lang="en-US" sz="2800" dirty="0" smtClean="0"/>
-              <a:t>dded </a:t>
-            </a:r>
-            <a:r>
-              <a:rPr lang="en-US" sz="2800" dirty="0" smtClean="0"/>
-              <a:t>a “Show Game Over” message</a:t>
+              <a:t>I added a “Show Game Over” message</a:t>
             </a:r>
           </a:p>
           <a:p>
@@ -4433,15 +4384,7 @@
                   <a:srgbClr val="0070C0"/>
                 </a:solidFill>
               </a:rPr>
-              <a:t>What do you think these scripts </a:t>
-            </a:r>
-            <a:r>
-              <a:rPr lang="en-US" sz="2800" dirty="0" smtClean="0">
-                <a:solidFill>
-                  <a:srgbClr val="0070C0"/>
-                </a:solidFill>
-              </a:rPr>
-              <a:t>do.  Should they all go on the paddle?? </a:t>
+              <a:t>What do you think these scripts do.  Should they all go on the paddle?? </a:t>
             </a:r>
           </a:p>
           <a:p>
@@ -4472,11 +4415,6 @@
               </a:rPr>
               <a:t>: no!)</a:t>
             </a:r>
-            <a:endParaRPr lang="en-US" sz="2800" dirty="0" smtClean="0">
-              <a:solidFill>
-                <a:srgbClr val="0070C0"/>
-              </a:solidFill>
-            </a:endParaRPr>
           </a:p>
           <a:p>
             <a:r>
@@ -4485,52 +4423,20 @@
                   <a:srgbClr val="0070C0"/>
                 </a:solidFill>
               </a:rPr>
-              <a:t>What if I suggested </a:t>
-            </a:r>
+              <a:t>What if I suggested to add a </a:t>
+            </a:r>
+          </a:p>
+          <a:p>
+            <a:pPr marL="0" indent="0">
+              <a:buNone/>
+            </a:pPr>
             <a:r>
               <a:rPr lang="en-US" sz="2800" dirty="0" smtClean="0">
                 <a:solidFill>
                   <a:srgbClr val="0070C0"/>
                 </a:solidFill>
               </a:rPr>
-              <a:t>to add </a:t>
-            </a:r>
-            <a:r>
-              <a:rPr lang="en-US" sz="2800" dirty="0" smtClean="0">
-                <a:solidFill>
-                  <a:srgbClr val="0070C0"/>
-                </a:solidFill>
-              </a:rPr>
-              <a:t>a </a:t>
-            </a:r>
-          </a:p>
-          <a:p>
-            <a:pPr marL="0" indent="0">
-              <a:buNone/>
-            </a:pPr>
-            <a:r>
-              <a:rPr lang="en-US" sz="2800" dirty="0" smtClean="0">
-                <a:solidFill>
-                  <a:srgbClr val="0070C0"/>
-                </a:solidFill>
-              </a:rPr>
-              <a:t>	“</a:t>
-            </a:r>
-            <a:r>
-              <a:rPr lang="en-US" sz="2800" dirty="0" smtClean="0">
-                <a:solidFill>
-                  <a:srgbClr val="0070C0"/>
-                </a:solidFill>
-              </a:rPr>
-              <a:t>Starting Message” </a:t>
-            </a:r>
-            <a:r>
-              <a:rPr lang="en-US" sz="2800" dirty="0" smtClean="0">
-                <a:solidFill>
-                  <a:srgbClr val="0070C0"/>
-                </a:solidFill>
-              </a:rPr>
-              <a:t>sprite </a:t>
+              <a:t>	“Starting Message” sprite </a:t>
             </a:r>
           </a:p>
           <a:p>
@@ -5751,15 +5657,7 @@
             </a:pPr>
             <a:r>
               <a:rPr lang="en-US" dirty="0" smtClean="0"/>
-              <a:t>(</a:t>
-            </a:r>
-            <a:r>
-              <a:rPr lang="en-US" dirty="0" smtClean="0"/>
-              <a:t>the </a:t>
-            </a:r>
-            <a:r>
-              <a:rPr lang="en-US" dirty="0" smtClean="0"/>
-              <a:t>ball)</a:t>
+              <a:t>(the ball)</a:t>
             </a:r>
           </a:p>
         </p:txBody>
@@ -6518,11 +6416,6 @@
               </a:rPr>
               <a:t>What data might you want in a game like Beach Ball Bounce ?</a:t>
             </a:r>
-            <a:endParaRPr lang="en-US" dirty="0" smtClean="0">
-              <a:solidFill>
-                <a:srgbClr val="00B0F0"/>
-              </a:solidFill>
-            </a:endParaRPr>
           </a:p>
           <a:p>
             <a:r>
@@ -6762,15 +6655,7 @@
             </a:pPr>
             <a:r>
               <a:rPr lang="en-US" dirty="0" smtClean="0"/>
-              <a:t>We set it to ‘3’ on green flag, decrement when the </a:t>
-            </a:r>
-            <a:r>
-              <a:rPr lang="en-US" dirty="0" smtClean="0"/>
-              <a:t>ball gets </a:t>
-            </a:r>
-            <a:r>
-              <a:rPr lang="en-US" dirty="0" smtClean="0"/>
-              <a:t>past the paddle, and send ‘show game over’ when it drops to zero.</a:t>
+              <a:t>We set it to ‘3’ on green flag, decrement when the ball gets past the paddle, and send ‘show game over’ when it drops to zero.</a:t>
             </a:r>
           </a:p>
           <a:p>
@@ -6810,11 +6695,7 @@
             </a:r>
             <a:r>
               <a:rPr lang="en-US" sz="2600" b="1" dirty="0" smtClean="0"/>
-              <a:t>space bar press </a:t>
-            </a:r>
-            <a:r>
-              <a:rPr lang="en-US" sz="2600" b="1" dirty="0" smtClean="0"/>
-              <a:t>(&amp; change user messages)</a:t>
+              <a:t>space bar press (&amp; change user messages)</a:t>
             </a:r>
             <a:endParaRPr lang="en-US" sz="2600" b="1" dirty="0"/>
           </a:p>
@@ -6895,46 +6776,13 @@
           <a:p>
             <a:r>
               <a:rPr lang="en-US" dirty="0" smtClean="0"/>
-              <a:t>I think </a:t>
-            </a:r>
+              <a:t>I think we need a new, 3rd “You missed.  Ready to try again?” message in the info sprite</a:t>
+            </a:r>
+          </a:p>
+          <a:p>
             <a:r>
               <a:rPr lang="en-US" dirty="0" smtClean="0"/>
-              <a:t>we </a:t>
-            </a:r>
-            <a:r>
-              <a:rPr lang="en-US" dirty="0" smtClean="0"/>
-              <a:t>need </a:t>
-            </a:r>
-            <a:r>
-              <a:rPr lang="en-US" dirty="0" smtClean="0"/>
-              <a:t>a </a:t>
-            </a:r>
-            <a:r>
-              <a:rPr lang="en-US" dirty="0" smtClean="0"/>
-              <a:t>new, 3rd “</a:t>
-            </a:r>
-            <a:r>
-              <a:rPr lang="en-US" dirty="0" smtClean="0"/>
-              <a:t>You missed.  </a:t>
-            </a:r>
-            <a:r>
-              <a:rPr lang="en-US" dirty="0" smtClean="0"/>
-              <a:t>Ready to try again?</a:t>
-            </a:r>
-            <a:r>
-              <a:rPr lang="en-US" dirty="0" smtClean="0"/>
-              <a:t>” message in the info sprite</a:t>
-            </a:r>
-            <a:endParaRPr lang="en-US" dirty="0" smtClean="0"/>
-          </a:p>
-          <a:p>
-            <a:r>
-              <a:rPr lang="en-US" dirty="0" smtClean="0"/>
-              <a:t>I would put message handlers on that sprite to set the correct costume to match the messages</a:t>
-            </a:r>
-            <a:r>
-              <a:rPr lang="en-US" dirty="0" smtClean="0"/>
-              <a:t>.</a:t>
+              <a:t>I would put message handlers on that sprite to set the correct costume to match the messages.</a:t>
             </a:r>
           </a:p>
           <a:p>
@@ -7392,7 +7240,6 @@
               <a:rPr lang="en-US" sz="2800" dirty="0" smtClean="0"/>
               <a:t>please show your projects!</a:t>
             </a:r>
-            <a:endParaRPr lang="en-US" sz="2800" dirty="0" smtClean="0"/>
           </a:p>
         </p:txBody>
       </p:sp>
@@ -7513,15 +7360,7 @@
           <a:p>
             <a:r>
               <a:rPr lang="en-US" dirty="0" smtClean="0"/>
-              <a:t>Topics will include Messages</a:t>
-            </a:r>
-            <a:r>
-              <a:rPr lang="en-US" dirty="0" smtClean="0"/>
-              <a:t>, Variables, </a:t>
-            </a:r>
-            <a:r>
-              <a:rPr lang="en-US" dirty="0" smtClean="0"/>
-              <a:t>Clones, </a:t>
+              <a:t>Topics will include Messages, Variables, Clones, </a:t>
             </a:r>
             <a:r>
               <a:rPr lang="en-US" dirty="0"/>
@@ -7538,21 +7377,8 @@
           <a:p>
             <a:r>
               <a:rPr lang="en-US" dirty="0" smtClean="0"/>
-              <a:t>Topics may </a:t>
-            </a:r>
-            <a:r>
-              <a:rPr lang="en-US" dirty="0" smtClean="0"/>
-              <a:t>use tools more deeply, </a:t>
-            </a:r>
-            <a:r>
-              <a:rPr lang="en-US" dirty="0" smtClean="0"/>
-              <a:t>like the drawing panel and importing </a:t>
-            </a:r>
-            <a:r>
-              <a:rPr lang="en-US" dirty="0" smtClean="0"/>
-              <a:t>graphics</a:t>
-            </a:r>
-            <a:endParaRPr lang="en-US" dirty="0" smtClean="0"/>
+              <a:t>Topics may use tools more deeply, like the drawing panel and importing graphics</a:t>
+            </a:r>
           </a:p>
         </p:txBody>
       </p:sp>
@@ -7605,63 +7431,7 @@
                   <a:reflection blurRad="6350" stA="53000" endA="300" endPos="35500" dir="5400000" sy="-90000" algn="bl" rotWithShape="0"/>
                 </a:effectLst>
               </a:rPr>
-              <a:t>Goals for the next </a:t>
-            </a:r>
-            <a:r>
-              <a:rPr lang="en-US" sz="5400" b="0" cap="none" spc="0" dirty="0" smtClean="0">
-                <a:ln w="0"/>
-                <a:gradFill>
-                  <a:gsLst>
-                    <a:gs pos="0">
-                      <a:schemeClr val="accent5">
-                        <a:lumMod val="50000"/>
-                      </a:schemeClr>
-                    </a:gs>
-                    <a:gs pos="50000">
-                      <a:schemeClr val="accent5"/>
-                    </a:gs>
-                    <a:gs pos="100000">
-                      <a:schemeClr val="accent5">
-                        <a:lumMod val="60000"/>
-                        <a:lumOff val="40000"/>
-                      </a:schemeClr>
-                    </a:gs>
-                  </a:gsLst>
-                  <a:lin ang="5400000"/>
-                </a:gradFill>
-                <a:effectLst>
-                  <a:reflection blurRad="6350" stA="53000" endA="300" endPos="35500" dir="5400000" sy="-90000" algn="bl" rotWithShape="0"/>
-                </a:effectLst>
-              </a:rPr>
-              <a:t>2 </a:t>
-            </a:r>
-            <a:r>
-              <a:rPr lang="en-US" sz="5400" b="0" cap="none" spc="0" dirty="0" smtClean="0">
-                <a:ln w="0"/>
-                <a:gradFill>
-                  <a:gsLst>
-                    <a:gs pos="0">
-                      <a:schemeClr val="accent5">
-                        <a:lumMod val="50000"/>
-                      </a:schemeClr>
-                    </a:gs>
-                    <a:gs pos="50000">
-                      <a:schemeClr val="accent5"/>
-                    </a:gs>
-                    <a:gs pos="100000">
-                      <a:schemeClr val="accent5">
-                        <a:lumMod val="60000"/>
-                        <a:lumOff val="40000"/>
-                      </a:schemeClr>
-                    </a:gs>
-                  </a:gsLst>
-                  <a:lin ang="5400000"/>
-                </a:gradFill>
-                <a:effectLst>
-                  <a:reflection blurRad="6350" stA="53000" endA="300" endPos="35500" dir="5400000" sy="-90000" algn="bl" rotWithShape="0"/>
-                </a:effectLst>
-              </a:rPr>
-              <a:t>weeks</a:t>
+              <a:t>Goals for the next 2 weeks</a:t>
             </a:r>
             <a:endParaRPr lang="en-US" sz="5400" b="0" cap="none" spc="0" dirty="0">
               <a:ln w="0"/>
@@ -8023,17 +7793,8 @@
             </a:pPr>
             <a:r>
               <a:rPr lang="en-US" sz="3200" dirty="0" smtClean="0"/>
-              <a:t>Teaching something that is </a:t>
-            </a:r>
-            <a:r>
-              <a:rPr lang="en-US" sz="3200" dirty="0" smtClean="0"/>
-              <a:t>pretty dumb</a:t>
-            </a:r>
-            <a:r>
-              <a:rPr lang="en-US" sz="3200" dirty="0" smtClean="0"/>
-              <a:t> </a:t>
-            </a:r>
-            <a:endParaRPr lang="en-US" sz="3200" dirty="0" smtClean="0"/>
+              <a:t>Teaching something that is pretty dumb </a:t>
+            </a:r>
           </a:p>
           <a:p>
             <a:pPr marL="0" indent="0" algn="ctr">
@@ -8682,27 +8443,15 @@
             </a:pPr>
             <a:r>
               <a:rPr lang="en-US" dirty="0" smtClean="0"/>
-              <a:t>An earlier </a:t>
+              <a:t>An earlier project was “Bat Away” or “Pong” and </a:t>
+            </a:r>
+            <a:r>
+              <a:rPr lang="en-US" u="sng" dirty="0" smtClean="0"/>
+              <a:t>right after this slide</a:t>
             </a:r>
             <a:r>
               <a:rPr lang="en-US" dirty="0" smtClean="0"/>
-              <a:t>project was “Bat Away” or “Pong” and </a:t>
-            </a:r>
-            <a:r>
-              <a:rPr lang="en-US" u="sng" dirty="0" smtClean="0"/>
-              <a:t>right after </a:t>
-            </a:r>
-            <a:r>
-              <a:rPr lang="en-US" u="sng" dirty="0" smtClean="0"/>
-              <a:t>this slide</a:t>
-            </a:r>
-            <a:r>
-              <a:rPr lang="en-US" dirty="0" smtClean="0"/>
-              <a:t>, we’ll change it to </a:t>
-            </a:r>
-            <a:r>
-              <a:rPr lang="en-US" dirty="0" smtClean="0"/>
-              <a:t>“Beach Ball Bounce”</a:t>
+              <a:t>, we’ll change it to “Beach Ball Bounce”</a:t>
             </a:r>
           </a:p>
           <a:p>
@@ -8714,29 +8463,13 @@
           <a:p>
             <a:r>
               <a:rPr lang="en-US" dirty="0" smtClean="0"/>
-              <a:t>A sprite (bat, </a:t>
-            </a:r>
+              <a:t>A sprite (bat, beach ball) moves around the stage</a:t>
+            </a:r>
+          </a:p>
+          <a:p>
             <a:r>
               <a:rPr lang="en-US" dirty="0" smtClean="0"/>
-              <a:t>beach ball) </a:t>
-            </a:r>
-            <a:r>
-              <a:rPr lang="en-US" dirty="0" smtClean="0"/>
-              <a:t>moves around the stage</a:t>
-            </a:r>
-          </a:p>
-          <a:p>
-            <a:r>
-              <a:rPr lang="en-US" dirty="0" smtClean="0"/>
-              <a:t>The player uses the paddle to prevent the </a:t>
-            </a:r>
-            <a:r>
-              <a:rPr lang="en-US" dirty="0" smtClean="0"/>
-              <a:t>ball from </a:t>
-            </a:r>
-            <a:r>
-              <a:rPr lang="en-US" dirty="0" smtClean="0"/>
-              <a:t>slipping through.  </a:t>
+              <a:t>The player uses the paddle to prevent the ball from slipping through.  </a:t>
             </a:r>
           </a:p>
           <a:p>
@@ -8767,11 +8500,7 @@
             </a:pPr>
             <a:r>
               <a:rPr lang="en-US" dirty="0" smtClean="0"/>
-              <a:t>“5 minute” Warm </a:t>
-            </a:r>
-            <a:r>
-              <a:rPr lang="en-US" dirty="0" smtClean="0"/>
-              <a:t>up: Change the graphics</a:t>
+              <a:t>“5 minute” Warm up: Change the graphics</a:t>
             </a:r>
           </a:p>
           <a:p>
@@ -8801,11 +8530,7 @@
             </a:pPr>
             <a:r>
               <a:rPr lang="en-US" dirty="0" smtClean="0"/>
-              <a:t>First improvement:  Game Start state (“Click to begin</a:t>
-            </a:r>
-            <a:r>
-              <a:rPr lang="en-US" dirty="0" smtClean="0"/>
-              <a:t>”) by Messages</a:t>
+              <a:t>First improvement:  Game Start state (“Click to begin”) by Messages</a:t>
             </a:r>
             <a:endParaRPr lang="en-US" dirty="0"/>
           </a:p>
@@ -8815,11 +8540,7 @@
             </a:pPr>
             <a:r>
               <a:rPr lang="en-US" dirty="0" smtClean="0"/>
-              <a:t>Later: Messages and .. Show </a:t>
-            </a:r>
-            <a:r>
-              <a:rPr lang="en-US" dirty="0" smtClean="0"/>
-              <a:t>your project!</a:t>
+              <a:t>Later: Messages and .. Show your project!</a:t>
             </a:r>
           </a:p>
           <a:p>
@@ -9762,7 +9483,7 @@
             </a:r>
             <a:r>
               <a:rPr lang="en-US" sz="6300" dirty="0" smtClean="0"/>
-              <a:t>scratch.mit.edu/projects/6151479/</a:t>
+              <a:t>scratch.mit.edu/projects/61514792/</a:t>
             </a:r>
             <a:endParaRPr lang="en-US" sz="6300" dirty="0" smtClean="0"/>
           </a:p>
@@ -9779,15 +9500,7 @@
             <a:pPr lvl="1"/>
             <a:r>
               <a:rPr lang="en-US" sz="6000" dirty="0" smtClean="0"/>
-              <a:t>I chose </a:t>
-            </a:r>
-            <a:r>
-              <a:rPr lang="en-US" sz="6000" dirty="0" smtClean="0"/>
-              <a:t>‘Beach at Malibu’ </a:t>
-            </a:r>
-            <a:r>
-              <a:rPr lang="en-US" sz="6000" dirty="0" smtClean="0"/>
-              <a:t>from the built-in backgrounds</a:t>
+              <a:t>I chose ‘Beach at Malibu’ from the built-in backgrounds</a:t>
             </a:r>
           </a:p>
           <a:p>
@@ -9798,7 +9511,6 @@
               <a:rPr lang="en-US" sz="6300" dirty="0" smtClean="0"/>
               <a:t>Change the bat sprite to a beach ball</a:t>
             </a:r>
-            <a:endParaRPr lang="en-US" sz="6300" dirty="0" smtClean="0"/>
           </a:p>
           <a:p>
             <a:pPr lvl="1"/>
@@ -9806,7 +9518,6 @@
               <a:rPr lang="en-US" sz="6000" dirty="0" smtClean="0"/>
               <a:t>Scratch has one available.  I have a nice one hidden.  </a:t>
             </a:r>
-            <a:endParaRPr lang="en-US" sz="6000" dirty="0" smtClean="0"/>
           </a:p>
           <a:p>
             <a:pPr lvl="1"/>
@@ -10940,15 +10651,7 @@
                   <a:srgbClr val="0070C0"/>
                 </a:solidFill>
               </a:rPr>
-              <a:t>A quick refresher </a:t>
-            </a:r>
-            <a:r>
-              <a:rPr lang="en-US" sz="4400" b="1" dirty="0" smtClean="0">
-                <a:solidFill>
-                  <a:srgbClr val="0070C0"/>
-                </a:solidFill>
-              </a:rPr>
-              <a:t>on Scripts</a:t>
+              <a:t>A quick refresher on Scripts</a:t>
             </a:r>
             <a:endParaRPr lang="en-US" sz="4400" b="1" dirty="0">
               <a:solidFill>
@@ -12090,15 +11793,7 @@
                   <a:srgbClr val="0070C0"/>
                 </a:solidFill>
               </a:rPr>
-              <a:t>Now, </a:t>
-            </a:r>
-            <a:r>
-              <a:rPr lang="en-US" sz="4400" b="1" dirty="0" smtClean="0">
-                <a:solidFill>
-                  <a:srgbClr val="0070C0"/>
-                </a:solidFill>
-              </a:rPr>
-              <a:t>Introducing messages</a:t>
+              <a:t>Now, Introducing messages</a:t>
             </a:r>
           </a:p>
           <a:p>
@@ -12510,11 +12205,7 @@
           <a:p>
             <a:r>
               <a:rPr lang="en-US" dirty="0" smtClean="0"/>
-              <a:t>Broadcasting and Receiving Messages is </a:t>
-            </a:r>
-            <a:r>
-              <a:rPr lang="en-US" dirty="0" smtClean="0"/>
-              <a:t>the way to pass information</a:t>
+              <a:t>Broadcasting and Receiving Messages is the way to pass information</a:t>
             </a:r>
           </a:p>
           <a:p>
@@ -12527,23 +12218,7 @@
                   <a:srgbClr val="0070C0"/>
                 </a:solidFill>
               </a:rPr>
-              <a:t>Could it make </a:t>
-            </a:r>
-            <a:r>
-              <a:rPr lang="en-US" dirty="0" smtClean="0">
-                <a:solidFill>
-                  <a:srgbClr val="0070C0"/>
-                </a:solidFill>
-              </a:rPr>
-              <a:t>Beach Ball Bounce </a:t>
-            </a:r>
-            <a:r>
-              <a:rPr lang="en-US" dirty="0" smtClean="0">
-                <a:solidFill>
-                  <a:srgbClr val="0070C0"/>
-                </a:solidFill>
-              </a:rPr>
-              <a:t>better?</a:t>
+              <a:t>Could it make Beach Ball Bounce better?</a:t>
             </a:r>
           </a:p>
           <a:p>
@@ -12556,42 +12231,21 @@
                   <a:srgbClr val="7030A0"/>
                 </a:solidFill>
               </a:rPr>
-              <a:t>The paddle doesn’t know if the sprite goes out of </a:t>
-            </a:r>
+              <a:t>The paddle doesn’t know if the sprite goes out of bounds </a:t>
+            </a:r>
+          </a:p>
+          <a:p>
+            <a:pPr marL="0" indent="0" algn="r">
+              <a:buNone/>
+            </a:pPr>
             <a:r>
               <a:rPr lang="en-US" sz="2400" dirty="0" smtClean="0">
                 <a:solidFill>
                   <a:srgbClr val="7030A0"/>
                 </a:solidFill>
               </a:rPr>
-              <a:t>bounds </a:t>
-            </a:r>
-          </a:p>
-          <a:p>
-            <a:pPr marL="0" indent="0" algn="r">
-              <a:buNone/>
-            </a:pPr>
-            <a:r>
-              <a:rPr lang="en-US" sz="2400" dirty="0" smtClean="0">
-                <a:solidFill>
-                  <a:srgbClr val="7030A0"/>
-                </a:solidFill>
-              </a:rPr>
-              <a:t>(remember, it missed the paddle)</a:t>
-            </a:r>
-            <a:r>
-              <a:rPr lang="en-US" sz="2400" dirty="0" smtClean="0">
-                <a:solidFill>
-                  <a:srgbClr val="7030A0"/>
-                </a:solidFill>
-              </a:rPr>
-              <a:t>.</a:t>
-            </a:r>
-            <a:endParaRPr lang="en-US" sz="2400" dirty="0" smtClean="0">
-              <a:solidFill>
-                <a:srgbClr val="7030A0"/>
-              </a:solidFill>
-            </a:endParaRPr>
+              <a:t>(remember, it missed the paddle).</a:t>
+            </a:r>
           </a:p>
           <a:p>
             <a:pPr marL="0" indent="0" algn="r">
@@ -12603,50 +12257,21 @@
                   <a:srgbClr val="7030A0"/>
                 </a:solidFill>
               </a:rPr>
-              <a:t>The sprite (ball, </a:t>
-            </a:r>
+              <a:t>The sprite (ball, bat) DOES know  </a:t>
+            </a:r>
+          </a:p>
+          <a:p>
+            <a:pPr marL="0" indent="0" algn="r">
+              <a:buNone/>
+            </a:pPr>
             <a:r>
               <a:rPr lang="en-US" sz="4400" dirty="0" smtClean="0">
                 <a:solidFill>
                   <a:srgbClr val="7030A0"/>
                 </a:solidFill>
               </a:rPr>
-              <a:t>bat) </a:t>
-            </a:r>
-            <a:r>
-              <a:rPr lang="en-US" sz="4400" dirty="0" smtClean="0">
-                <a:solidFill>
-                  <a:srgbClr val="7030A0"/>
-                </a:solidFill>
-              </a:rPr>
-              <a:t>DOES know  </a:t>
-            </a:r>
-          </a:p>
-          <a:p>
-            <a:pPr marL="0" indent="0" algn="r">
-              <a:buNone/>
-            </a:pPr>
-            <a:r>
-              <a:rPr lang="en-US" sz="4400" dirty="0" smtClean="0">
-                <a:solidFill>
-                  <a:srgbClr val="7030A0"/>
-                </a:solidFill>
-              </a:rPr>
-              <a:t>Let it tell anything that </a:t>
-            </a:r>
-            <a:r>
-              <a:rPr lang="en-US" sz="4400" dirty="0" smtClean="0">
-                <a:solidFill>
-                  <a:srgbClr val="7030A0"/>
-                </a:solidFill>
-              </a:rPr>
-              <a:t>listens!</a:t>
-            </a:r>
-            <a:endParaRPr lang="en-US" sz="4400" dirty="0" smtClean="0">
-              <a:solidFill>
-                <a:srgbClr val="7030A0"/>
-              </a:solidFill>
-            </a:endParaRPr>
+              <a:t>Let it tell anything that listens!</a:t>
+            </a:r>
           </a:p>
           <a:p>
             <a:pPr marL="0" indent="0" algn="r">
@@ -13701,15 +13326,7 @@
             </a:r>
             <a:r>
               <a:rPr lang="en-US" sz="4000" b="1" dirty="0" smtClean="0"/>
-              <a:t> </a:t>
-            </a:r>
-            <a:r>
-              <a:rPr lang="en-US" sz="4000" b="1" dirty="0" smtClean="0"/>
-              <a:t>– next </a:t>
-            </a:r>
-            <a:r>
-              <a:rPr lang="en-US" sz="4000" b="1" dirty="0" smtClean="0"/>
-              <a:t>steps</a:t>
+              <a:t> – next steps</a:t>
             </a:r>
             <a:endParaRPr lang="en-US" sz="4000" b="1" dirty="0"/>
           </a:p>
@@ -13747,23 +13364,7 @@
             </a:pPr>
             <a:r>
               <a:rPr lang="en-US" dirty="0" smtClean="0"/>
-              <a:t>Make </a:t>
-            </a:r>
-            <a:r>
-              <a:rPr lang="en-US" dirty="0" smtClean="0"/>
-              <a:t>an opening message that </a:t>
-            </a:r>
-            <a:r>
-              <a:rPr lang="en-US" dirty="0" smtClean="0"/>
-              <a:t>disappears </a:t>
-            </a:r>
-            <a:r>
-              <a:rPr lang="en-US" dirty="0" smtClean="0"/>
-              <a:t>when the game </a:t>
-            </a:r>
-            <a:r>
-              <a:rPr lang="en-US" dirty="0" smtClean="0"/>
-              <a:t>starts.</a:t>
+              <a:t>Make an opening message that disappears when the game starts.</a:t>
             </a:r>
           </a:p>
           <a:p>
@@ -13773,15 +13374,7 @@
             </a:pPr>
             <a:r>
               <a:rPr lang="en-US" dirty="0" smtClean="0"/>
-              <a:t>You can do this</a:t>
-            </a:r>
-            <a:r>
-              <a:rPr lang="en-US" dirty="0" smtClean="0"/>
-              <a:t> </a:t>
-            </a:r>
-            <a:r>
-              <a:rPr lang="en-US" dirty="0" smtClean="0"/>
-              <a:t>without sending a </a:t>
+              <a:t>You can do this without sending a </a:t>
             </a:r>
             <a:r>
               <a:rPr lang="en-US" i="1" dirty="0" smtClean="0"/>
@@ -13789,21 +13382,8 @@
             </a:r>
             <a:r>
               <a:rPr lang="en-US" dirty="0" smtClean="0"/>
-              <a:t>.  How?  (Tip: when </a:t>
-            </a:r>
-            <a:r>
-              <a:rPr lang="en-US" dirty="0" smtClean="0"/>
-              <a:t>should the beach ball start </a:t>
-            </a:r>
-            <a:r>
-              <a:rPr lang="en-US" dirty="0" smtClean="0"/>
-              <a:t>moving</a:t>
-            </a:r>
-            <a:r>
-              <a:rPr lang="en-US" dirty="0" smtClean="0"/>
-              <a:t>?  Extra tip: use the space bar.)</a:t>
-            </a:r>
-            <a:endParaRPr lang="en-US" dirty="0" smtClean="0"/>
+              <a:t>.  How?  (Tip: when should the beach ball start moving?  Extra tip: use the space bar.)</a:t>
+            </a:r>
           </a:p>
           <a:p>
             <a:pPr>
@@ -13829,23 +13409,7 @@
             </a:pPr>
             <a:r>
               <a:rPr lang="en-US" dirty="0" smtClean="0"/>
-              <a:t>When the </a:t>
-            </a:r>
-            <a:r>
-              <a:rPr lang="en-US" dirty="0" smtClean="0"/>
-              <a:t>ball makes </a:t>
-            </a:r>
-            <a:r>
-              <a:rPr lang="en-US" dirty="0" smtClean="0"/>
-              <a:t>it past the paddle and touches the </a:t>
-            </a:r>
-            <a:r>
-              <a:rPr lang="en-US" dirty="0" smtClean="0"/>
-              <a:t>bottom, it </a:t>
-            </a:r>
-            <a:r>
-              <a:rPr lang="en-US" dirty="0" smtClean="0"/>
-              <a:t>should send a message out.  The ‘end of game’ sprite should appear and all others should disappear.</a:t>
+              <a:t>When the ball makes it past the paddle and touches the bottom, it should send a message out.  The ‘end of game’ sprite should appear and all others should disappear.</a:t>
             </a:r>
           </a:p>
           <a:p>
@@ -13861,13 +13425,8 @@
             </a:pPr>
             <a:r>
               <a:rPr lang="en-US" sz="2800" dirty="0" smtClean="0"/>
-              <a:t>Stuck? Look at </a:t>
-            </a:r>
-            <a:r>
-              <a:rPr lang="en-US" sz="2800" dirty="0" smtClean="0"/>
-              <a:t>scratch.mit.edu/projects/61731480</a:t>
-            </a:r>
-            <a:endParaRPr lang="en-US" sz="2800" dirty="0" smtClean="0"/>
+              <a:t>Stuck? Look at scratch.mit.edu/projects/61731480</a:t>
+            </a:r>
           </a:p>
         </p:txBody>
       </p:sp>
@@ -14802,7 +14361,7 @@
   <a:extraClrSchemeLst/>
   <a:extLst>
     <a:ext uri="{05A4C25C-085E-4340-85A3-A5531E510DB2}">
-      <thm15:themeFamily xmlns="" xmlns:thm15="http://schemas.microsoft.com/office/thememl/2012/main" name="Office Theme" id="{62F939B6-93AF-4DB8-9C6B-D6C7DFDC589F}" vid="{4A3C46E8-61CC-4603-A589-7422A47A8E4A}"/>
+      <thm15:themeFamily xmlns:thm15="http://schemas.microsoft.com/office/thememl/2012/main" xmlns="" name="Office Theme" id="{62F939B6-93AF-4DB8-9C6B-D6C7DFDC589F}" vid="{4A3C46E8-61CC-4603-A589-7422A47A8E4A}"/>
     </a:ext>
   </a:extLst>
 </a:theme>
@@ -15063,7 +14622,7 @@
   <a:extraClrSchemeLst/>
   <a:extLst>
     <a:ext uri="{05A4C25C-085E-4340-85A3-A5531E510DB2}">
-      <thm15:themeFamily xmlns="" xmlns:thm15="http://schemas.microsoft.com/office/thememl/2012/main" name="Office Theme" id="{62F939B6-93AF-4DB8-9C6B-D6C7DFDC589F}" vid="{4A3C46E8-61CC-4603-A589-7422A47A8E4A}"/>
+      <thm15:themeFamily xmlns:thm15="http://schemas.microsoft.com/office/thememl/2012/main" xmlns="" name="Office Theme" id="{62F939B6-93AF-4DB8-9C6B-D6C7DFDC589F}" vid="{4A3C46E8-61CC-4603-A589-7422A47A8E4A}"/>
     </a:ext>
   </a:extLst>
 </a:theme>
